--- a/02_Week Two Assignment/Presentation/Week 2 Presentation DATA607 Fall 18 Relational Databases.pptx
+++ b/02_Week Two Assignment/Presentation/Week 2 Presentation DATA607 Fall 18 Relational Databases.pptx
@@ -5,7 +5,7 @@
     <p:sldMasterId id="2147483648" r:id="rId1"/>
   </p:sldMasterIdLst>
   <p:notesMasterIdLst>
-    <p:notesMasterId r:id="rId9"/>
+    <p:notesMasterId r:id="rId10"/>
   </p:notesMasterIdLst>
   <p:sldIdLst>
     <p:sldId id="256" r:id="rId2"/>
@@ -15,6 +15,7 @@
     <p:sldId id="261" r:id="rId6"/>
     <p:sldId id="262" r:id="rId7"/>
     <p:sldId id="263" r:id="rId8"/>
+    <p:sldId id="264" r:id="rId9"/>
   </p:sldIdLst>
   <p:sldSz cx="12192000" cy="6858000"/>
   <p:notesSz cx="6858000" cy="9144000"/>
@@ -113,6 +114,14 @@
       </a:defRPr>
     </a:lvl9pPr>
   </p:defaultTextStyle>
+  <p:extLst>
+    <p:ext uri="{EFAFB233-063F-42B5-8137-9DF3F51BA10A}">
+      <p15:sldGuideLst xmlns:p15="http://schemas.microsoft.com/office/powerpoint/2012/main"/>
+    </p:ext>
+    <p:ext uri="{2D200454-40CA-4A62-9FC3-DE9A4176ACB9}">
+      <p15:notesGuideLst xmlns:p15="http://schemas.microsoft.com/office/powerpoint/2012/main"/>
+    </p:ext>
+  </p:extLst>
 </p:presentation>
 </file>
 
@@ -198,7 +207,7 @@
           <a:p>
             <a:fld id="{D29E79D1-6488-4C65-9D0F-63698C27C1CE}" type="datetimeFigureOut">
               <a:rPr lang="en-US" smtClean="0"/>
-              <a:t>9/9/2018</a:t>
+              <a:t>9/10/2018</a:t>
             </a:fld>
             <a:endParaRPr lang="en-US"/>
           </a:p>
@@ -1195,31 +1204,16 @@
           <a:p>
             <a:r>
               <a:rPr lang="en-US" dirty="0"/>
-              <a:t>Packages for Interfacing through a native database driver</a:t>
-            </a:r>
-          </a:p>
-          <a:p>
-            <a:endParaRPr lang="en-US" dirty="0"/>
-          </a:p>
-          <a:p>
+              <a:t>The Sean </a:t>
+            </a:r>
+            <a:r>
+              <a:rPr lang="en-US" dirty="0" err="1"/>
+              <a:t>Lahman</a:t>
+            </a:r>
             <a:r>
               <a:rPr lang="en-US" dirty="0"/>
-              <a:t>Open database connections. Allows set up </a:t>
-            </a:r>
-            <a:r>
-              <a:rPr lang="en-US" sz="1200" b="0" i="0" kern="1200" dirty="0">
-                <a:solidFill>
-                  <a:schemeClr val="tx1"/>
-                </a:solidFill>
-                <a:effectLst/>
-                <a:latin typeface="+mn-lt"/>
-                <a:ea typeface="+mn-ea"/>
-                <a:cs typeface="+mn-cs"/>
-              </a:rPr>
-              <a:t>to any connection to any database with ODBC drivers available. Most RDMS platforms offer ODBC drivers which can be used to access the database.</a:t>
-            </a:r>
-          </a:p>
-          <a:p>
+              <a:t> Baseball contains statistical information for the entire history of professional baseball. It’s a  database is a relational database.  </a:t>
+            </a:r>
             <a:endParaRPr lang="en-US" sz="1200" b="0" i="0" kern="1200" dirty="0">
               <a:solidFill>
                 <a:schemeClr val="tx1"/>
@@ -1229,134 +1223,6 @@
               <a:ea typeface="+mn-ea"/>
               <a:cs typeface="+mn-cs"/>
             </a:endParaRPr>
-          </a:p>
-          <a:p>
-            <a:r>
-              <a:rPr lang="en-US" sz="1200" b="1" i="0" kern="1200" dirty="0">
-                <a:solidFill>
-                  <a:schemeClr val="tx1"/>
-                </a:solidFill>
-                <a:effectLst/>
-                <a:latin typeface="+mn-lt"/>
-                <a:ea typeface="+mn-ea"/>
-                <a:cs typeface="+mn-cs"/>
-              </a:rPr>
-              <a:t>RJDBC</a:t>
-            </a:r>
-            <a:r>
-              <a:rPr lang="en-US" sz="1200" b="0" i="0" kern="1200" dirty="0">
-                <a:solidFill>
-                  <a:schemeClr val="tx1"/>
-                </a:solidFill>
-                <a:effectLst/>
-                <a:latin typeface="+mn-lt"/>
-                <a:ea typeface="+mn-ea"/>
-                <a:cs typeface="+mn-cs"/>
-              </a:rPr>
-              <a:t> is a package implementing DBI in R on the basis of JDBC. This allows the use of any DBMS in R through the JDBC interface. The only requirement is working Java and a JDBC driver for the database engine to be accessed.</a:t>
-            </a:r>
-          </a:p>
-          <a:p>
-            <a:endParaRPr lang="en-US" sz="1200" b="0" i="0" kern="1200" dirty="0">
-              <a:solidFill>
-                <a:schemeClr val="tx1"/>
-              </a:solidFill>
-              <a:effectLst/>
-              <a:latin typeface="+mn-lt"/>
-              <a:ea typeface="+mn-ea"/>
-              <a:cs typeface="+mn-cs"/>
-            </a:endParaRPr>
-          </a:p>
-          <a:p>
-            <a:r>
-              <a:rPr lang="en-US" dirty="0" err="1"/>
-              <a:t>dplyr</a:t>
-            </a:r>
-            <a:r>
-              <a:rPr lang="en-US" sz="1200" b="0" i="0" kern="1200" dirty="0">
-                <a:solidFill>
-                  <a:schemeClr val="tx1"/>
-                </a:solidFill>
-                <a:effectLst/>
-                <a:latin typeface="+mn-lt"/>
-                <a:ea typeface="+mn-ea"/>
-                <a:cs typeface="+mn-cs"/>
-              </a:rPr>
-              <a:t> is able to interact with databases directly by translating the </a:t>
-            </a:r>
-            <a:r>
-              <a:rPr lang="en-US" dirty="0" err="1"/>
-              <a:t>dplyr</a:t>
-            </a:r>
-            <a:r>
-              <a:rPr lang="en-US" sz="1200" b="0" i="0" kern="1200" dirty="0">
-                <a:solidFill>
-                  <a:schemeClr val="tx1"/>
-                </a:solidFill>
-                <a:effectLst/>
-                <a:latin typeface="+mn-lt"/>
-                <a:ea typeface="+mn-ea"/>
-                <a:cs typeface="+mn-cs"/>
-              </a:rPr>
-              <a:t> verbs into SQL queries. This convenient feature allows you to ‘speak’ directly with the database from R. The goal  is to automatically generate SQL for you so that you’re not forced to use it. However, SQL is a very large language, and </a:t>
-            </a:r>
-            <a:r>
-              <a:rPr lang="en-US" dirty="0" err="1"/>
-              <a:t>dplyr</a:t>
-            </a:r>
-            <a:r>
-              <a:rPr lang="en-US" sz="1200" b="0" i="0" kern="1200" dirty="0">
-                <a:solidFill>
-                  <a:schemeClr val="tx1"/>
-                </a:solidFill>
-                <a:effectLst/>
-                <a:latin typeface="+mn-lt"/>
-                <a:ea typeface="+mn-ea"/>
-                <a:cs typeface="+mn-cs"/>
-              </a:rPr>
-              <a:t> doesn’t do everything. It focuses on </a:t>
-            </a:r>
-            <a:r>
-              <a:rPr lang="en-US" dirty="0"/>
-              <a:t>SELECT</a:t>
-            </a:r>
-            <a:r>
-              <a:rPr lang="en-US" sz="1200" b="0" i="0" kern="1200" dirty="0">
-                <a:solidFill>
-                  <a:schemeClr val="tx1"/>
-                </a:solidFill>
-                <a:effectLst/>
-                <a:latin typeface="+mn-lt"/>
-                <a:ea typeface="+mn-ea"/>
-                <a:cs typeface="+mn-cs"/>
-              </a:rPr>
-              <a:t> statements, the SQL you write most often as an analyst.</a:t>
-            </a:r>
-          </a:p>
-          <a:p>
-            <a:endParaRPr lang="en-US" sz="1200" b="0" i="0" kern="1200" dirty="0">
-              <a:solidFill>
-                <a:schemeClr val="tx1"/>
-              </a:solidFill>
-              <a:effectLst/>
-              <a:latin typeface="+mn-lt"/>
-              <a:ea typeface="+mn-ea"/>
-              <a:cs typeface="+mn-cs"/>
-            </a:endParaRPr>
-          </a:p>
-          <a:p>
-            <a:r>
-              <a:rPr lang="en-US" sz="1200" b="0" i="0" kern="1200" dirty="0">
-                <a:solidFill>
-                  <a:schemeClr val="tx1"/>
-                </a:solidFill>
-                <a:effectLst/>
-                <a:latin typeface="+mn-lt"/>
-                <a:ea typeface="+mn-ea"/>
-                <a:cs typeface="+mn-cs"/>
-              </a:rPr>
-              <a:t>DBI was meant to unify the interfacing to RDBMS so that R/S applications could be developed on top of the DBI and not be hard coded to any one relation database. </a:t>
-            </a:r>
           </a:p>
           <a:p>
             <a:endParaRPr lang="en-US" dirty="0"/>
@@ -1446,172 +1312,6 @@
           <a:bodyPr/>
           <a:lstStyle/>
           <a:p>
-            <a:r>
-              <a:rPr lang="en-US" dirty="0"/>
-              <a:t>Packages for Interfacing through a native database driver</a:t>
-            </a:r>
-          </a:p>
-          <a:p>
-            <a:endParaRPr lang="en-US" dirty="0"/>
-          </a:p>
-          <a:p>
-            <a:r>
-              <a:rPr lang="en-US" dirty="0"/>
-              <a:t>Open database connections. Allows set up </a:t>
-            </a:r>
-            <a:r>
-              <a:rPr lang="en-US" sz="1200" b="0" i="0" kern="1200" dirty="0">
-                <a:solidFill>
-                  <a:schemeClr val="tx1"/>
-                </a:solidFill>
-                <a:effectLst/>
-                <a:latin typeface="+mn-lt"/>
-                <a:ea typeface="+mn-ea"/>
-                <a:cs typeface="+mn-cs"/>
-              </a:rPr>
-              <a:t>to any connection to any database with ODBC drivers available. Most RDMS platforms offer ODBC drivers which can be used to access the database.</a:t>
-            </a:r>
-          </a:p>
-          <a:p>
-            <a:endParaRPr lang="en-US" sz="1200" b="0" i="0" kern="1200" dirty="0">
-              <a:solidFill>
-                <a:schemeClr val="tx1"/>
-              </a:solidFill>
-              <a:effectLst/>
-              <a:latin typeface="+mn-lt"/>
-              <a:ea typeface="+mn-ea"/>
-              <a:cs typeface="+mn-cs"/>
-            </a:endParaRPr>
-          </a:p>
-          <a:p>
-            <a:r>
-              <a:rPr lang="en-US" sz="1200" b="1" i="0" kern="1200" dirty="0">
-                <a:solidFill>
-                  <a:schemeClr val="tx1"/>
-                </a:solidFill>
-                <a:effectLst/>
-                <a:latin typeface="+mn-lt"/>
-                <a:ea typeface="+mn-ea"/>
-                <a:cs typeface="+mn-cs"/>
-              </a:rPr>
-              <a:t>RJDBC</a:t>
-            </a:r>
-            <a:r>
-              <a:rPr lang="en-US" sz="1200" b="0" i="0" kern="1200" dirty="0">
-                <a:solidFill>
-                  <a:schemeClr val="tx1"/>
-                </a:solidFill>
-                <a:effectLst/>
-                <a:latin typeface="+mn-lt"/>
-                <a:ea typeface="+mn-ea"/>
-                <a:cs typeface="+mn-cs"/>
-              </a:rPr>
-              <a:t> is a package implementing DBI in R on the basis of JDBC. This allows the use of any DBMS in R through the JDBC interface. The only requirement is working Java and a JDBC driver for the database engine to be accessed.</a:t>
-            </a:r>
-          </a:p>
-          <a:p>
-            <a:endParaRPr lang="en-US" sz="1200" b="0" i="0" kern="1200" dirty="0">
-              <a:solidFill>
-                <a:schemeClr val="tx1"/>
-              </a:solidFill>
-              <a:effectLst/>
-              <a:latin typeface="+mn-lt"/>
-              <a:ea typeface="+mn-ea"/>
-              <a:cs typeface="+mn-cs"/>
-            </a:endParaRPr>
-          </a:p>
-          <a:p>
-            <a:r>
-              <a:rPr lang="en-US" dirty="0" err="1"/>
-              <a:t>dplyr</a:t>
-            </a:r>
-            <a:r>
-              <a:rPr lang="en-US" sz="1200" b="0" i="0" kern="1200" dirty="0">
-                <a:solidFill>
-                  <a:schemeClr val="tx1"/>
-                </a:solidFill>
-                <a:effectLst/>
-                <a:latin typeface="+mn-lt"/>
-                <a:ea typeface="+mn-ea"/>
-                <a:cs typeface="+mn-cs"/>
-              </a:rPr>
-              <a:t> is able to interact with databases directly by translating the </a:t>
-            </a:r>
-            <a:r>
-              <a:rPr lang="en-US" dirty="0" err="1"/>
-              <a:t>dplyr</a:t>
-            </a:r>
-            <a:r>
-              <a:rPr lang="en-US" sz="1200" b="0" i="0" kern="1200" dirty="0">
-                <a:solidFill>
-                  <a:schemeClr val="tx1"/>
-                </a:solidFill>
-                <a:effectLst/>
-                <a:latin typeface="+mn-lt"/>
-                <a:ea typeface="+mn-ea"/>
-                <a:cs typeface="+mn-cs"/>
-              </a:rPr>
-              <a:t> verbs into SQL queries. This convenient feature allows you to ‘speak’ directly with the database from R. The goal  is to automatically generate SQL for you so that you’re not forced to use it. However, SQL is a very large language, and </a:t>
-            </a:r>
-            <a:r>
-              <a:rPr lang="en-US" dirty="0" err="1"/>
-              <a:t>dplyr</a:t>
-            </a:r>
-            <a:r>
-              <a:rPr lang="en-US" sz="1200" b="0" i="0" kern="1200" dirty="0">
-                <a:solidFill>
-                  <a:schemeClr val="tx1"/>
-                </a:solidFill>
-                <a:effectLst/>
-                <a:latin typeface="+mn-lt"/>
-                <a:ea typeface="+mn-ea"/>
-                <a:cs typeface="+mn-cs"/>
-              </a:rPr>
-              <a:t> doesn’t do everything. It focuses on </a:t>
-            </a:r>
-            <a:r>
-              <a:rPr lang="en-US" dirty="0"/>
-              <a:t>SELECT</a:t>
-            </a:r>
-            <a:r>
-              <a:rPr lang="en-US" sz="1200" b="0" i="0" kern="1200" dirty="0">
-                <a:solidFill>
-                  <a:schemeClr val="tx1"/>
-                </a:solidFill>
-                <a:effectLst/>
-                <a:latin typeface="+mn-lt"/>
-                <a:ea typeface="+mn-ea"/>
-                <a:cs typeface="+mn-cs"/>
-              </a:rPr>
-              <a:t> statements, the SQL you write most often as an analyst.</a:t>
-            </a:r>
-          </a:p>
-          <a:p>
-            <a:endParaRPr lang="en-US" sz="1200" b="0" i="0" kern="1200" dirty="0">
-              <a:solidFill>
-                <a:schemeClr val="tx1"/>
-              </a:solidFill>
-              <a:effectLst/>
-              <a:latin typeface="+mn-lt"/>
-              <a:ea typeface="+mn-ea"/>
-              <a:cs typeface="+mn-cs"/>
-            </a:endParaRPr>
-          </a:p>
-          <a:p>
-            <a:r>
-              <a:rPr lang="en-US" sz="1200" b="0" i="0" kern="1200" dirty="0">
-                <a:solidFill>
-                  <a:schemeClr val="tx1"/>
-                </a:solidFill>
-                <a:effectLst/>
-                <a:latin typeface="+mn-lt"/>
-                <a:ea typeface="+mn-ea"/>
-                <a:cs typeface="+mn-cs"/>
-              </a:rPr>
-              <a:t>DBI was meant to unify the interfacing to RDBMS so that R/S applications could be developed on top of the DBI and not be hard coded to any one relation database. </a:t>
-            </a:r>
-          </a:p>
-          <a:p>
             <a:endParaRPr lang="en-US" dirty="0"/>
           </a:p>
           <a:p>
@@ -1646,6 +1346,93 @@
     <p:extLst>
       <p:ext uri="{BB962C8B-B14F-4D97-AF65-F5344CB8AC3E}">
         <p14:creationId xmlns:p14="http://schemas.microsoft.com/office/powerpoint/2010/main" val="2541133966"/>
+      </p:ext>
+    </p:extLst>
+  </p:cSld>
+  <p:clrMapOvr>
+    <a:masterClrMapping/>
+  </p:clrMapOvr>
+</p:notes>
+</file>
+
+<file path=ppt/notesSlides/notesSlide8.xml><?xml version="1.0" encoding="utf-8"?>
+<p:notes xmlns:a="http://schemas.openxmlformats.org/drawingml/2006/main" xmlns:r="http://schemas.openxmlformats.org/officeDocument/2006/relationships" xmlns:p="http://schemas.openxmlformats.org/presentationml/2006/main">
+  <p:cSld>
+    <p:spTree>
+      <p:nvGrpSpPr>
+        <p:cNvPr id="1" name=""/>
+        <p:cNvGrpSpPr/>
+        <p:nvPr/>
+      </p:nvGrpSpPr>
+      <p:grpSpPr>
+        <a:xfrm>
+          <a:off x="0" y="0"/>
+          <a:ext cx="0" cy="0"/>
+          <a:chOff x="0" y="0"/>
+          <a:chExt cx="0" cy="0"/>
+        </a:xfrm>
+      </p:grpSpPr>
+      <p:sp>
+        <p:nvSpPr>
+          <p:cNvPr id="2" name="Slide Image Placeholder 1"/>
+          <p:cNvSpPr>
+            <a:spLocks noGrp="1" noRot="1" noChangeAspect="1"/>
+          </p:cNvSpPr>
+          <p:nvPr>
+            <p:ph type="sldImg"/>
+          </p:nvPr>
+        </p:nvSpPr>
+        <p:spPr/>
+      </p:sp>
+      <p:sp>
+        <p:nvSpPr>
+          <p:cNvPr id="3" name="Notes Placeholder 2"/>
+          <p:cNvSpPr>
+            <a:spLocks noGrp="1"/>
+          </p:cNvSpPr>
+          <p:nvPr>
+            <p:ph type="body" idx="1"/>
+          </p:nvPr>
+        </p:nvSpPr>
+        <p:spPr/>
+        <p:txBody>
+          <a:bodyPr/>
+          <a:lstStyle/>
+          <a:p>
+            <a:endParaRPr lang="en-US" dirty="0"/>
+          </a:p>
+          <a:p>
+            <a:endParaRPr lang="en-US" dirty="0"/>
+          </a:p>
+        </p:txBody>
+      </p:sp>
+      <p:sp>
+        <p:nvSpPr>
+          <p:cNvPr id="4" name="Slide Number Placeholder 3"/>
+          <p:cNvSpPr>
+            <a:spLocks noGrp="1"/>
+          </p:cNvSpPr>
+          <p:nvPr>
+            <p:ph type="sldNum" sz="quarter" idx="5"/>
+          </p:nvPr>
+        </p:nvSpPr>
+        <p:spPr/>
+        <p:txBody>
+          <a:bodyPr/>
+          <a:lstStyle/>
+          <a:p>
+            <a:fld id="{CB63F9A5-D6D1-42FF-BE9E-60F2A57196DA}" type="slidenum">
+              <a:rPr lang="en-US" smtClean="0"/>
+              <a:t>8</a:t>
+            </a:fld>
+            <a:endParaRPr lang="en-US" dirty="0"/>
+          </a:p>
+        </p:txBody>
+      </p:sp>
+    </p:spTree>
+    <p:extLst>
+      <p:ext uri="{BB962C8B-B14F-4D97-AF65-F5344CB8AC3E}">
+        <p14:creationId xmlns:p14="http://schemas.microsoft.com/office/powerpoint/2010/main" val="333050778"/>
       </p:ext>
     </p:extLst>
   </p:cSld>
@@ -1802,7 +1589,7 @@
           <a:p>
             <a:fld id="{EFA91846-AF17-4F03-A0C5-663762D0CC4A}" type="datetimeFigureOut">
               <a:rPr lang="en-US" smtClean="0"/>
-              <a:t>9/9/2018</a:t>
+              <a:t>9/10/2018</a:t>
             </a:fld>
             <a:endParaRPr lang="en-US"/>
           </a:p>
@@ -2000,7 +1787,7 @@
           <a:p>
             <a:fld id="{EFA91846-AF17-4F03-A0C5-663762D0CC4A}" type="datetimeFigureOut">
               <a:rPr lang="en-US" smtClean="0"/>
-              <a:t>9/9/2018</a:t>
+              <a:t>9/10/2018</a:t>
             </a:fld>
             <a:endParaRPr lang="en-US"/>
           </a:p>
@@ -2208,7 +1995,7 @@
           <a:p>
             <a:fld id="{EFA91846-AF17-4F03-A0C5-663762D0CC4A}" type="datetimeFigureOut">
               <a:rPr lang="en-US" smtClean="0"/>
-              <a:t>9/9/2018</a:t>
+              <a:t>9/10/2018</a:t>
             </a:fld>
             <a:endParaRPr lang="en-US"/>
           </a:p>
@@ -2406,7 +2193,7 @@
           <a:p>
             <a:fld id="{EFA91846-AF17-4F03-A0C5-663762D0CC4A}" type="datetimeFigureOut">
               <a:rPr lang="en-US" smtClean="0"/>
-              <a:t>9/9/2018</a:t>
+              <a:t>9/10/2018</a:t>
             </a:fld>
             <a:endParaRPr lang="en-US"/>
           </a:p>
@@ -2681,7 +2468,7 @@
           <a:p>
             <a:fld id="{EFA91846-AF17-4F03-A0C5-663762D0CC4A}" type="datetimeFigureOut">
               <a:rPr lang="en-US" smtClean="0"/>
-              <a:t>9/9/2018</a:t>
+              <a:t>9/10/2018</a:t>
             </a:fld>
             <a:endParaRPr lang="en-US"/>
           </a:p>
@@ -2946,7 +2733,7 @@
           <a:p>
             <a:fld id="{EFA91846-AF17-4F03-A0C5-663762D0CC4A}" type="datetimeFigureOut">
               <a:rPr lang="en-US" smtClean="0"/>
-              <a:t>9/9/2018</a:t>
+              <a:t>9/10/2018</a:t>
             </a:fld>
             <a:endParaRPr lang="en-US"/>
           </a:p>
@@ -3358,7 +3145,7 @@
           <a:p>
             <a:fld id="{EFA91846-AF17-4F03-A0C5-663762D0CC4A}" type="datetimeFigureOut">
               <a:rPr lang="en-US" smtClean="0"/>
-              <a:t>9/9/2018</a:t>
+              <a:t>9/10/2018</a:t>
             </a:fld>
             <a:endParaRPr lang="en-US"/>
           </a:p>
@@ -3499,7 +3286,7 @@
           <a:p>
             <a:fld id="{EFA91846-AF17-4F03-A0C5-663762D0CC4A}" type="datetimeFigureOut">
               <a:rPr lang="en-US" smtClean="0"/>
-              <a:t>9/9/2018</a:t>
+              <a:t>9/10/2018</a:t>
             </a:fld>
             <a:endParaRPr lang="en-US"/>
           </a:p>
@@ -3612,7 +3399,7 @@
           <a:p>
             <a:fld id="{EFA91846-AF17-4F03-A0C5-663762D0CC4A}" type="datetimeFigureOut">
               <a:rPr lang="en-US" smtClean="0"/>
-              <a:t>9/9/2018</a:t>
+              <a:t>9/10/2018</a:t>
             </a:fld>
             <a:endParaRPr lang="en-US"/>
           </a:p>
@@ -3923,7 +3710,7 @@
           <a:p>
             <a:fld id="{EFA91846-AF17-4F03-A0C5-663762D0CC4A}" type="datetimeFigureOut">
               <a:rPr lang="en-US" smtClean="0"/>
-              <a:t>9/9/2018</a:t>
+              <a:t>9/10/2018</a:t>
             </a:fld>
             <a:endParaRPr lang="en-US"/>
           </a:p>
@@ -4211,7 +3998,7 @@
           <a:p>
             <a:fld id="{EFA91846-AF17-4F03-A0C5-663762D0CC4A}" type="datetimeFigureOut">
               <a:rPr lang="en-US" smtClean="0"/>
-              <a:t>9/9/2018</a:t>
+              <a:t>9/10/2018</a:t>
             </a:fld>
             <a:endParaRPr lang="en-US"/>
           </a:p>
@@ -4484,7 +4271,7 @@
           <a:p>
             <a:fld id="{EFA91846-AF17-4F03-A0C5-663762D0CC4A}" type="datetimeFigureOut">
               <a:rPr lang="en-US" smtClean="0"/>
-              <a:t>9/9/2018</a:t>
+              <a:t>9/10/2018</a:t>
             </a:fld>
             <a:endParaRPr lang="en-US"/>
           </a:p>
@@ -6726,7 +6513,7 @@
           <a:p>
             <a:r>
               <a:rPr lang="en-US" dirty="0"/>
-              <a:t>Demonstration</a:t>
+              <a:t>Challenges for a Data Scientist</a:t>
             </a:r>
           </a:p>
         </p:txBody>
@@ -6750,9 +6537,57 @@
         <p:spPr/>
         <p:txBody>
           <a:bodyPr>
-            <a:normAutofit/>
+            <a:normAutofit fontScale="92500" lnSpcReduction="10000"/>
           </a:bodyPr>
           <a:lstStyle/>
+          <a:p>
+            <a:r>
+              <a:rPr lang="en-US" dirty="0"/>
+              <a:t>Know the Relational Database platform</a:t>
+            </a:r>
+          </a:p>
+          <a:p>
+            <a:endParaRPr lang="en-US" dirty="0"/>
+          </a:p>
+          <a:p>
+            <a:r>
+              <a:rPr lang="en-US" dirty="0"/>
+              <a:t>Understand the Schema</a:t>
+            </a:r>
+          </a:p>
+          <a:p>
+            <a:endParaRPr lang="en-US" dirty="0"/>
+          </a:p>
+          <a:p>
+            <a:r>
+              <a:rPr lang="en-US" dirty="0"/>
+              <a:t>Choose a method for connecting to the database, e.g. a Native Database driver, ODBC</a:t>
+            </a:r>
+          </a:p>
+          <a:p>
+            <a:endParaRPr lang="en-US" dirty="0"/>
+          </a:p>
+          <a:p>
+            <a:r>
+              <a:rPr lang="en-US" dirty="0"/>
+              <a:t>Be wary of the database’s security parameters</a:t>
+            </a:r>
+          </a:p>
+          <a:p>
+            <a:endParaRPr lang="en-US" dirty="0"/>
+          </a:p>
+          <a:p>
+            <a:r>
+              <a:rPr lang="en-US" dirty="0"/>
+              <a:t>Choose how and what data to select. Do you need ALL of it?</a:t>
+            </a:r>
+          </a:p>
+          <a:p>
+            <a:endParaRPr lang="en-US" dirty="0"/>
+          </a:p>
+          <a:p>
+            <a:endParaRPr lang="en-US" dirty="0"/>
+          </a:p>
           <a:p>
             <a:pPr marL="0" indent="0">
               <a:buNone/>
@@ -6760,29 +6595,170 @@
             <a:endParaRPr lang="en-US" dirty="0"/>
           </a:p>
           <a:p>
+            <a:endParaRPr lang="en-US" dirty="0"/>
+          </a:p>
+          <a:p>
+            <a:endParaRPr lang="en-US" dirty="0"/>
+          </a:p>
+          <a:p>
+            <a:endParaRPr lang="en-US" dirty="0"/>
+          </a:p>
+        </p:txBody>
+      </p:sp>
+    </p:spTree>
+    <p:extLst>
+      <p:ext uri="{BB962C8B-B14F-4D97-AF65-F5344CB8AC3E}">
+        <p14:creationId xmlns:p14="http://schemas.microsoft.com/office/powerpoint/2010/main" val="1584118499"/>
+      </p:ext>
+    </p:extLst>
+  </p:cSld>
+  <p:clrMapOvr>
+    <a:masterClrMapping/>
+  </p:clrMapOvr>
+</p:sld>
+</file>
+
+<file path=ppt/slides/slide8.xml><?xml version="1.0" encoding="utf-8"?>
+<p:sld xmlns:a="http://schemas.openxmlformats.org/drawingml/2006/main" xmlns:r="http://schemas.openxmlformats.org/officeDocument/2006/relationships" xmlns:p="http://schemas.openxmlformats.org/presentationml/2006/main">
+  <p:cSld>
+    <p:spTree>
+      <p:nvGrpSpPr>
+        <p:cNvPr id="1" name=""/>
+        <p:cNvGrpSpPr/>
+        <p:nvPr/>
+      </p:nvGrpSpPr>
+      <p:grpSpPr>
+        <a:xfrm>
+          <a:off x="0" y="0"/>
+          <a:ext cx="0" cy="0"/>
+          <a:chOff x="0" y="0"/>
+          <a:chExt cx="0" cy="0"/>
+        </a:xfrm>
+      </p:grpSpPr>
+      <p:sp>
+        <p:nvSpPr>
+          <p:cNvPr id="2" name="Title 1">
+            <a:extLst>
+              <a:ext uri="{FF2B5EF4-FFF2-40B4-BE49-F238E27FC236}">
+                <a16:creationId xmlns:a16="http://schemas.microsoft.com/office/drawing/2014/main" id="{B2D27249-6DE9-443F-A5FE-ED35EDC0390A}"/>
+              </a:ext>
+            </a:extLst>
+          </p:cNvPr>
+          <p:cNvSpPr>
+            <a:spLocks noGrp="1"/>
+          </p:cNvSpPr>
+          <p:nvPr>
+            <p:ph type="title"/>
+          </p:nvPr>
+        </p:nvSpPr>
+        <p:spPr/>
+        <p:txBody>
+          <a:bodyPr/>
+          <a:lstStyle/>
+          <a:p>
+            <a:r>
+              <a:rPr lang="en-US" dirty="0"/>
+              <a:t>Resources / References</a:t>
+            </a:r>
+          </a:p>
+        </p:txBody>
+      </p:sp>
+      <p:sp>
+        <p:nvSpPr>
+          <p:cNvPr id="3" name="Content Placeholder 2">
+            <a:extLst>
+              <a:ext uri="{FF2B5EF4-FFF2-40B4-BE49-F238E27FC236}">
+                <a16:creationId xmlns:a16="http://schemas.microsoft.com/office/drawing/2014/main" id="{09122E1D-CC5B-4197-BBD1-5F15D4D35E51}"/>
+              </a:ext>
+            </a:extLst>
+          </p:cNvPr>
+          <p:cNvSpPr>
+            <a:spLocks noGrp="1"/>
+          </p:cNvSpPr>
+          <p:nvPr>
+            <p:ph idx="1"/>
+          </p:nvPr>
+        </p:nvSpPr>
+        <p:spPr>
+          <a:xfrm>
+            <a:off x="486697" y="1825625"/>
+            <a:ext cx="11061289" cy="4351338"/>
+          </a:xfrm>
+        </p:spPr>
+        <p:txBody>
+          <a:bodyPr>
+            <a:normAutofit/>
+          </a:bodyPr>
+          <a:lstStyle/>
+          <a:p>
+            <a:r>
+              <a:rPr lang="en-US" dirty="0" err="1"/>
+              <a:t>Rstudio’s</a:t>
+            </a:r>
+            <a:r>
+              <a:rPr lang="en-US" dirty="0"/>
+              <a:t> Database documentation</a:t>
+            </a:r>
+          </a:p>
+          <a:p>
+            <a:pPr marL="0" indent="0">
+              <a:buNone/>
+            </a:pPr>
+            <a:r>
+              <a:rPr lang="en-US" dirty="0"/>
+              <a:t>https://db.rstudio.com/overview</a:t>
+            </a:r>
+          </a:p>
+          <a:p>
+            <a:endParaRPr lang="en-US" dirty="0"/>
+          </a:p>
+          <a:p>
+            <a:r>
+              <a:rPr lang="en-US" dirty="0" err="1"/>
+              <a:t>DataCamp’s</a:t>
+            </a:r>
+            <a:r>
+              <a:rPr lang="en-US" dirty="0"/>
+              <a:t> Tutorial – Importing Data into R</a:t>
+            </a:r>
+          </a:p>
+          <a:p>
+            <a:pPr marL="0" indent="0">
+              <a:buNone/>
+            </a:pPr>
+            <a:r>
+              <a:rPr lang="en-US" dirty="0"/>
+              <a:t>https://www.datacamp.com/courses/importing-data-in-r-part-2</a:t>
+            </a:r>
+          </a:p>
+          <a:p>
+            <a:endParaRPr lang="en-US" dirty="0"/>
+          </a:p>
+          <a:p>
+            <a:r>
+              <a:rPr lang="en-US" dirty="0"/>
+              <a:t>RDBMS – Wikipedia</a:t>
+            </a:r>
+          </a:p>
+          <a:p>
+            <a:pPr marL="0" indent="0">
+              <a:buNone/>
+            </a:pPr>
+            <a:r>
+              <a:rPr lang="en-US" dirty="0"/>
+              <a:t>https://en.wikipedia.org/wiki/Relational_database_management_system</a:t>
+            </a:r>
+          </a:p>
+          <a:p>
+            <a:endParaRPr lang="en-US" dirty="0"/>
+          </a:p>
+          <a:p>
             <a:pPr marL="0" indent="0">
               <a:buNone/>
             </a:pPr>
             <a:endParaRPr lang="en-US" dirty="0"/>
           </a:p>
           <a:p>
-            <a:pPr marL="0" indent="0" algn="ctr">
-              <a:buNone/>
-            </a:pPr>
-            <a:r>
-              <a:rPr lang="en-US" dirty="0"/>
-              <a:t>Sean </a:t>
-            </a:r>
-            <a:r>
-              <a:rPr lang="en-US" dirty="0" err="1"/>
-              <a:t>Lahman</a:t>
-            </a:r>
-            <a:r>
-              <a:rPr lang="en-US" dirty="0"/>
-              <a:t> Baseball Database</a:t>
-            </a:r>
-          </a:p>
-          <a:p>
             <a:endParaRPr lang="en-US" dirty="0"/>
           </a:p>
           <a:p>
@@ -6796,7 +6772,7 @@
     </p:spTree>
     <p:extLst>
       <p:ext uri="{BB962C8B-B14F-4D97-AF65-F5344CB8AC3E}">
-        <p14:creationId xmlns:p14="http://schemas.microsoft.com/office/powerpoint/2010/main" val="1584118499"/>
+        <p14:creationId xmlns:p14="http://schemas.microsoft.com/office/powerpoint/2010/main" val="3939641802"/>
       </p:ext>
     </p:extLst>
   </p:cSld>
